--- a/PPT/C语言大学教程-第5章-函数习题课.pptx
+++ b/PPT/C语言大学教程-第5章-函数习题课.pptx
@@ -3,25 +3,25 @@
 <p:presentation xmlns:a="http://schemas.openxmlformats.org/drawingml/2006/main" xmlns:r="http://schemas.openxmlformats.org/officeDocument/2006/relationships" xmlns:p="http://schemas.openxmlformats.org/presentationml/2006/main">
   <p:sldMasterIdLst>
     <p:sldMasterId id="2147483648" r:id="rId1"/>
-    <p:sldMasterId id="2147483661" r:id="rId3"/>
+    <p:sldMasterId id="2147483661" r:id="rId2"/>
   </p:sldMasterIdLst>
   <p:notesMasterIdLst>
-    <p:notesMasterId r:id="rId5"/>
+    <p:notesMasterId r:id="rId11"/>
   </p:notesMasterIdLst>
   <p:sldIdLst>
-    <p:sldId id="267" r:id="rId4"/>
-    <p:sldId id="259" r:id="rId6"/>
-    <p:sldId id="270" r:id="rId7"/>
-    <p:sldId id="271" r:id="rId8"/>
-    <p:sldId id="272" r:id="rId9"/>
-    <p:sldId id="273" r:id="rId10"/>
-    <p:sldId id="274" r:id="rId11"/>
-    <p:sldId id="268" r:id="rId12"/>
+    <p:sldId id="267" r:id="rId3"/>
+    <p:sldId id="259" r:id="rId4"/>
+    <p:sldId id="270" r:id="rId5"/>
+    <p:sldId id="271" r:id="rId6"/>
+    <p:sldId id="272" r:id="rId7"/>
+    <p:sldId id="273" r:id="rId8"/>
+    <p:sldId id="274" r:id="rId9"/>
+    <p:sldId id="268" r:id="rId10"/>
   </p:sldIdLst>
   <p:sldSz cx="12192000" cy="6858000"/>
   <p:notesSz cx="6858000" cy="9144000"/>
   <p:custDataLst>
-    <p:tags r:id="rId16"/>
+    <p:tags r:id="rId12"/>
   </p:custDataLst>
   <p:defaultTextStyle>
     <a:defPPr>
@@ -219,6 +219,7 @@
           <a:p>
             <a:fld id="{D6E80935-A9F7-4F8B-B775-C2E7478AF518}" type="datetimeFigureOut">
               <a:rPr lang="zh-CN" altLang="en-US" smtClean="0"/>
+              <a:t>2025/7/27</a:t>
             </a:fld>
             <a:endParaRPr lang="zh-CN" altLang="en-US"/>
           </a:p>
@@ -285,7 +286,6 @@
               <a:rPr lang="zh-CN" altLang="en-US"/>
               <a:t>单击此处编辑母版文本样式</a:t>
             </a:r>
-            <a:endParaRPr lang="zh-CN" altLang="en-US"/>
           </a:p>
           <a:p>
             <a:pPr lvl="1"/>
@@ -293,7 +293,6 @@
               <a:rPr lang="zh-CN" altLang="en-US"/>
               <a:t>第二级</a:t>
             </a:r>
-            <a:endParaRPr lang="zh-CN" altLang="en-US"/>
           </a:p>
           <a:p>
             <a:pPr lvl="2"/>
@@ -301,7 +300,6 @@
               <a:rPr lang="zh-CN" altLang="en-US"/>
               <a:t>第三级</a:t>
             </a:r>
-            <a:endParaRPr lang="zh-CN" altLang="en-US"/>
           </a:p>
           <a:p>
             <a:pPr lvl="3"/>
@@ -309,7 +307,6 @@
               <a:rPr lang="zh-CN" altLang="en-US"/>
               <a:t>第四级</a:t>
             </a:r>
-            <a:endParaRPr lang="zh-CN" altLang="en-US"/>
           </a:p>
           <a:p>
             <a:pPr lvl="4"/>
@@ -317,7 +314,6 @@
               <a:rPr lang="zh-CN" altLang="en-US"/>
               <a:t>第五级</a:t>
             </a:r>
-            <a:endParaRPr lang="zh-CN" altLang="en-US"/>
           </a:p>
         </p:txBody>
       </p:sp>
@@ -381,6 +377,7 @@
           <a:p>
             <a:fld id="{424A0127-6829-4D5A-AE45-B1E3DFB771FF}" type="slidenum">
               <a:rPr lang="zh-CN" altLang="en-US" smtClean="0"/>
+              <a:t>‹#›</a:t>
             </a:fld>
             <a:endParaRPr lang="zh-CN" altLang="en-US"/>
           </a:p>
@@ -708,7 +705,6 @@
               <a:rPr lang="en-US"/>
               <a:t>http://www.mysoeasy.com</a:t>
             </a:r>
-            <a:endParaRPr lang="en-US"/>
           </a:p>
         </p:txBody>
       </p:sp>
@@ -729,6 +725,7 @@
           <a:p>
             <a:fld id="{4AE1D939-3E60-4063-B05E-56844F97CE60}" type="slidenum">
               <a:rPr lang="zh-CN" altLang="en-US" smtClean="0"/>
+              <a:t>1</a:t>
             </a:fld>
             <a:endParaRPr lang="zh-CN" altLang="en-US"/>
           </a:p>
@@ -787,7 +784,6 @@
               <a:rPr lang="zh-CN" altLang="en-US"/>
               <a:t>单击此处编辑母版标题样式</a:t>
             </a:r>
-            <a:endParaRPr lang="zh-CN" altLang="en-US"/>
           </a:p>
         </p:txBody>
       </p:sp>
@@ -852,7 +848,6 @@
               <a:rPr lang="zh-CN" altLang="en-US"/>
               <a:t>单击此处编辑母版副标题样式</a:t>
             </a:r>
-            <a:endParaRPr lang="zh-CN" altLang="en-US"/>
           </a:p>
         </p:txBody>
       </p:sp>
@@ -873,6 +868,7 @@
           <a:p>
             <a:fld id="{221A8089-2723-4C29-9028-9AF3B5536DA4}" type="datetimeFigureOut">
               <a:rPr lang="zh-CN" altLang="en-US" smtClean="0"/>
+              <a:t>2025/7/27</a:t>
             </a:fld>
             <a:endParaRPr lang="zh-CN" altLang="en-US"/>
           </a:p>
@@ -914,6 +910,7 @@
           <a:p>
             <a:fld id="{3A900F6A-8B93-4004-9034-B9F22D9362A8}" type="slidenum">
               <a:rPr lang="zh-CN" altLang="en-US" smtClean="0"/>
+              <a:t>‹#›</a:t>
             </a:fld>
             <a:endParaRPr lang="zh-CN" altLang="en-US"/>
           </a:p>
@@ -963,7 +960,6 @@
               <a:rPr lang="zh-CN" altLang="en-US"/>
               <a:t>单击此处编辑母版标题样式</a:t>
             </a:r>
-            <a:endParaRPr lang="zh-CN" altLang="en-US"/>
           </a:p>
         </p:txBody>
       </p:sp>
@@ -987,7 +983,6 @@
               <a:rPr lang="zh-CN" altLang="en-US"/>
               <a:t>单击此处编辑母版文本样式</a:t>
             </a:r>
-            <a:endParaRPr lang="zh-CN" altLang="en-US"/>
           </a:p>
           <a:p>
             <a:pPr lvl="1"/>
@@ -995,7 +990,6 @@
               <a:rPr lang="zh-CN" altLang="en-US"/>
               <a:t>第二级</a:t>
             </a:r>
-            <a:endParaRPr lang="zh-CN" altLang="en-US"/>
           </a:p>
           <a:p>
             <a:pPr lvl="2"/>
@@ -1003,7 +997,6 @@
               <a:rPr lang="zh-CN" altLang="en-US"/>
               <a:t>第三级</a:t>
             </a:r>
-            <a:endParaRPr lang="zh-CN" altLang="en-US"/>
           </a:p>
           <a:p>
             <a:pPr lvl="3"/>
@@ -1011,7 +1004,6 @@
               <a:rPr lang="zh-CN" altLang="en-US"/>
               <a:t>第四级</a:t>
             </a:r>
-            <a:endParaRPr lang="zh-CN" altLang="en-US"/>
           </a:p>
           <a:p>
             <a:pPr lvl="4"/>
@@ -1019,7 +1011,6 @@
               <a:rPr lang="zh-CN" altLang="en-US"/>
               <a:t>第五级</a:t>
             </a:r>
-            <a:endParaRPr lang="zh-CN" altLang="en-US"/>
           </a:p>
         </p:txBody>
       </p:sp>
@@ -1040,6 +1031,7 @@
           <a:p>
             <a:fld id="{221A8089-2723-4C29-9028-9AF3B5536DA4}" type="datetimeFigureOut">
               <a:rPr lang="zh-CN" altLang="en-US" smtClean="0"/>
+              <a:t>2025/7/27</a:t>
             </a:fld>
             <a:endParaRPr lang="zh-CN" altLang="en-US"/>
           </a:p>
@@ -1081,6 +1073,7 @@
           <a:p>
             <a:fld id="{3A900F6A-8B93-4004-9034-B9F22D9362A8}" type="slidenum">
               <a:rPr lang="zh-CN" altLang="en-US" smtClean="0"/>
+              <a:t>‹#›</a:t>
             </a:fld>
             <a:endParaRPr lang="zh-CN" altLang="en-US"/>
           </a:p>
@@ -1135,7 +1128,6 @@
               <a:rPr lang="zh-CN" altLang="en-US"/>
               <a:t>单击此处编辑母版标题样式</a:t>
             </a:r>
-            <a:endParaRPr lang="zh-CN" altLang="en-US"/>
           </a:p>
         </p:txBody>
       </p:sp>
@@ -1164,7 +1156,6 @@
               <a:rPr lang="zh-CN" altLang="en-US"/>
               <a:t>单击此处编辑母版文本样式</a:t>
             </a:r>
-            <a:endParaRPr lang="zh-CN" altLang="en-US"/>
           </a:p>
           <a:p>
             <a:pPr lvl="1"/>
@@ -1172,7 +1163,6 @@
               <a:rPr lang="zh-CN" altLang="en-US"/>
               <a:t>第二级</a:t>
             </a:r>
-            <a:endParaRPr lang="zh-CN" altLang="en-US"/>
           </a:p>
           <a:p>
             <a:pPr lvl="2"/>
@@ -1180,7 +1170,6 @@
               <a:rPr lang="zh-CN" altLang="en-US"/>
               <a:t>第三级</a:t>
             </a:r>
-            <a:endParaRPr lang="zh-CN" altLang="en-US"/>
           </a:p>
           <a:p>
             <a:pPr lvl="3"/>
@@ -1188,7 +1177,6 @@
               <a:rPr lang="zh-CN" altLang="en-US"/>
               <a:t>第四级</a:t>
             </a:r>
-            <a:endParaRPr lang="zh-CN" altLang="en-US"/>
           </a:p>
           <a:p>
             <a:pPr lvl="4"/>
@@ -1196,7 +1184,6 @@
               <a:rPr lang="zh-CN" altLang="en-US"/>
               <a:t>第五级</a:t>
             </a:r>
-            <a:endParaRPr lang="zh-CN" altLang="en-US"/>
           </a:p>
         </p:txBody>
       </p:sp>
@@ -1217,6 +1204,7 @@
           <a:p>
             <a:fld id="{221A8089-2723-4C29-9028-9AF3B5536DA4}" type="datetimeFigureOut">
               <a:rPr lang="zh-CN" altLang="en-US" smtClean="0"/>
+              <a:t>2025/7/27</a:t>
             </a:fld>
             <a:endParaRPr lang="zh-CN" altLang="en-US"/>
           </a:p>
@@ -1258,6 +1246,7 @@
           <a:p>
             <a:fld id="{3A900F6A-8B93-4004-9034-B9F22D9362A8}" type="slidenum">
               <a:rPr lang="zh-CN" altLang="en-US" smtClean="0"/>
+              <a:t>‹#›</a:t>
             </a:fld>
             <a:endParaRPr lang="zh-CN" altLang="en-US"/>
           </a:p>
@@ -1272,7 +1261,7 @@
 </file>
 
 <file path=ppt/slideLayouts/slideLayout12.xml><?xml version="1.0" encoding="utf-8"?>
-<p:sldLayout xmlns:a="http://schemas.openxmlformats.org/drawingml/2006/main" xmlns:r="http://schemas.openxmlformats.org/officeDocument/2006/relationships" xmlns:p="http://schemas.openxmlformats.org/presentationml/2006/main" type="title" showMasterSp="0">
+<p:sldLayout xmlns:a="http://schemas.openxmlformats.org/drawingml/2006/main" xmlns:r="http://schemas.openxmlformats.org/officeDocument/2006/relationships" xmlns:p="http://schemas.openxmlformats.org/presentationml/2006/main" showMasterSp="0" type="title">
   <p:cSld name="1_标题幻灯片">
     <p:spTree>
       <p:nvGrpSpPr>
@@ -1981,12 +1970,6 @@
               </a:rPr>
               <a:t>C How to Program</a:t>
             </a:r>
-            <a:endParaRPr lang="en-US" altLang="zh-CN" sz="2700" dirty="0">
-              <a:solidFill>
-                <a:prstClr val="white"/>
-              </a:solidFill>
-              <a:latin typeface="Courier New" panose="02070309020205020404" pitchFamily="49" charset="0"/>
-            </a:endParaRPr>
           </a:p>
         </p:txBody>
       </p:sp>
@@ -2233,12 +2216,6 @@
               </a:rPr>
               <a:t>http://xinxi.xaufe.edu.cn</a:t>
             </a:r>
-            <a:endParaRPr lang="en-US" altLang="zh-CN" sz="900" i="1">
-              <a:solidFill>
-                <a:prstClr val="white"/>
-              </a:solidFill>
-              <a:latin typeface="Courier New" panose="02070309020205020404" pitchFamily="49" charset="0"/>
-            </a:endParaRPr>
           </a:p>
         </p:txBody>
       </p:sp>
@@ -2533,20 +2510,6 @@
               </a:rPr>
               <a:t>王浩鸣</a:t>
             </a:r>
-            <a:endParaRPr kumimoji="1" lang="zh-CN" altLang="en-US" sz="2400" b="1" i="0" u="none" strike="noStrike" kern="1200" cap="none" spc="0" normalizeH="0" baseline="0" noProof="0" dirty="0">
-              <a:ln>
-                <a:noFill/>
-              </a:ln>
-              <a:solidFill>
-                <a:srgbClr val="0066CC"/>
-              </a:solidFill>
-              <a:effectLst/>
-              <a:uLnTx/>
-              <a:uFillTx/>
-              <a:latin typeface="楷体" panose="02010609060101010101" pitchFamily="49" charset="-122"/>
-              <a:ea typeface="楷体" panose="02010609060101010101" pitchFamily="49" charset="-122"/>
-              <a:cs typeface="+mn-cs"/>
-            </a:endParaRPr>
           </a:p>
           <a:p>
             <a:pPr marL="0" marR="0" lvl="0" indent="0" algn="l" defTabSz="914400" rtl="0" eaLnBrk="1" fontAlgn="auto" latinLnBrk="0" hangingPunct="1">
@@ -2600,20 +2563,6 @@
               </a:rPr>
               <a:t>haoming_wang@xaufe.edu.cn</a:t>
             </a:r>
-            <a:endParaRPr kumimoji="1" lang="en-US" altLang="zh-CN" sz="2400" b="0" i="0" u="none" strike="noStrike" kern="1200" cap="none" spc="0" normalizeH="0" baseline="0" noProof="0" dirty="0">
-              <a:ln>
-                <a:noFill/>
-              </a:ln>
-              <a:solidFill>
-                <a:srgbClr val="0066CC"/>
-              </a:solidFill>
-              <a:effectLst/>
-              <a:uLnTx/>
-              <a:uFillTx/>
-              <a:latin typeface="Arial" panose="020B0604020202020204" pitchFamily="34" charset="0"/>
-              <a:ea typeface="宋体" panose="02010600030101010101" pitchFamily="2" charset="-122"/>
-              <a:cs typeface="+mn-cs"/>
-            </a:endParaRPr>
           </a:p>
           <a:p>
             <a:pPr marL="0" marR="0" lvl="0" indent="0" algn="l" defTabSz="914400" rtl="0" eaLnBrk="1" fontAlgn="auto" latinLnBrk="0" hangingPunct="1">
@@ -2649,20 +2598,6 @@
               </a:rPr>
               <a:t> haoming.wang@gmail.com</a:t>
             </a:r>
-            <a:endParaRPr kumimoji="1" lang="en-US" altLang="zh-CN" sz="2400" b="0" i="0" u="none" strike="noStrike" kern="1200" cap="none" spc="0" normalizeH="0" baseline="0" noProof="0" dirty="0">
-              <a:ln>
-                <a:noFill/>
-              </a:ln>
-              <a:solidFill>
-                <a:srgbClr val="0066CC"/>
-              </a:solidFill>
-              <a:effectLst/>
-              <a:uLnTx/>
-              <a:uFillTx/>
-              <a:latin typeface="Arial" panose="020B0604020202020204" pitchFamily="34" charset="0"/>
-              <a:ea typeface="宋体" panose="02010600030101010101" pitchFamily="2" charset="-122"/>
-              <a:cs typeface="+mn-cs"/>
-            </a:endParaRPr>
           </a:p>
           <a:p>
             <a:pPr marL="0" marR="0" lvl="0" indent="0" algn="l" defTabSz="914400" rtl="0" eaLnBrk="1" fontAlgn="auto" latinLnBrk="0" hangingPunct="1">
@@ -2698,20 +2633,6 @@
               </a:rPr>
               <a:t> wang.haoming@126.com</a:t>
             </a:r>
-            <a:endParaRPr kumimoji="1" lang="en-US" altLang="zh-CN" sz="2400" b="0" i="0" u="none" strike="noStrike" kern="1200" cap="none" spc="0" normalizeH="0" baseline="0" noProof="0" dirty="0">
-              <a:ln>
-                <a:noFill/>
-              </a:ln>
-              <a:solidFill>
-                <a:srgbClr val="0066CC"/>
-              </a:solidFill>
-              <a:effectLst/>
-              <a:uLnTx/>
-              <a:uFillTx/>
-              <a:latin typeface="Arial" panose="020B0604020202020204" pitchFamily="34" charset="0"/>
-              <a:ea typeface="宋体" panose="02010600030101010101" pitchFamily="2" charset="-122"/>
-              <a:cs typeface="+mn-cs"/>
-            </a:endParaRPr>
           </a:p>
           <a:p>
             <a:pPr marL="0" marR="0" lvl="0" indent="0" algn="l" defTabSz="914400" rtl="0" eaLnBrk="1" fontAlgn="auto" latinLnBrk="0" hangingPunct="1">
@@ -2780,22 +2701,8 @@
                 <a:ea typeface="宋体" panose="02010600030101010101" pitchFamily="2" charset="-122"/>
                 <a:cs typeface="+mn-cs"/>
               </a:rPr>
-              <a:t>81556903  18829266628</a:t>
-            </a:r>
-            <a:endParaRPr kumimoji="1" lang="en-US" altLang="zh-CN" sz="2400" b="0" i="0" u="none" strike="noStrike" kern="1200" cap="none" spc="0" normalizeH="0" baseline="0" noProof="0" dirty="0">
-              <a:ln>
-                <a:noFill/>
-              </a:ln>
-              <a:solidFill>
-                <a:srgbClr val="0066CC"/>
-              </a:solidFill>
-              <a:effectLst/>
-              <a:uLnTx/>
-              <a:uFillTx/>
-              <a:latin typeface="Arial" panose="020B0604020202020204" pitchFamily="34" charset="0"/>
-              <a:ea typeface="宋体" panose="02010600030101010101" pitchFamily="2" charset="-122"/>
-              <a:cs typeface="+mn-cs"/>
-            </a:endParaRPr>
+              <a:t>85781661  18829266628</a:t>
+            </a:r>
           </a:p>
         </p:txBody>
       </p:sp>
@@ -2837,7 +2744,7 @@
 </file>
 
 <file path=ppt/slideLayouts/slideLayout13.xml><?xml version="1.0" encoding="utf-8"?>
-<p:sldLayout xmlns:a="http://schemas.openxmlformats.org/drawingml/2006/main" xmlns:r="http://schemas.openxmlformats.org/officeDocument/2006/relationships" xmlns:p="http://schemas.openxmlformats.org/presentationml/2006/main" type="title" preserve="1" showMasterSp="0">
+<p:sldLayout xmlns:a="http://schemas.openxmlformats.org/drawingml/2006/main" xmlns:r="http://schemas.openxmlformats.org/officeDocument/2006/relationships" xmlns:p="http://schemas.openxmlformats.org/presentationml/2006/main" showMasterSp="0" type="title" preserve="1">
   <p:cSld name="标题幻灯片">
     <p:spTree>
       <p:nvGrpSpPr>
@@ -2999,7 +2906,6 @@
               <a:rPr lang="zh-CN" altLang="en-US"/>
               <a:t>单击此处编辑母版标题样式</a:t>
             </a:r>
-            <a:endParaRPr lang="zh-CN" altLang="en-US"/>
           </a:p>
         </p:txBody>
       </p:sp>
@@ -3033,7 +2939,6 @@
               <a:rPr lang="zh-CN" altLang="en-US"/>
               <a:t>单击此处编辑母版副标题样式</a:t>
             </a:r>
-            <a:endParaRPr lang="zh-CN" altLang="en-US"/>
           </a:p>
         </p:txBody>
       </p:sp>
@@ -3066,6 +2971,7 @@
             </a:pPr>
             <a:fld id="{BF909787-6BC5-4374-A96D-86FE7ED83A67}" type="datetimeFigureOut">
               <a:rPr lang="en-US" altLang="zh-CN"/>
+              <a:t>7/27/2025</a:t>
             </a:fld>
             <a:endParaRPr lang="en-US" altLang="zh-CN"/>
           </a:p>
@@ -3131,6 +3037,7 @@
             </a:pPr>
             <a:fld id="{81BCD8D1-9700-4EA0-B14C-1862849C2EC6}" type="slidenum">
               <a:rPr lang="zh-CN" altLang="en-US"/>
+              <a:t>‹#›</a:t>
             </a:fld>
             <a:endParaRPr lang="en-US" altLang="zh-CN"/>
           </a:p>
@@ -3180,7 +3087,6 @@
               <a:rPr lang="zh-CN" altLang="en-US" dirty="0"/>
               <a:t>单击此处编辑母版标题样式</a:t>
             </a:r>
-            <a:endParaRPr lang="zh-CN" altLang="en-US" dirty="0"/>
           </a:p>
         </p:txBody>
       </p:sp>
@@ -3204,7 +3110,6 @@
               <a:rPr lang="zh-CN" altLang="en-US"/>
               <a:t>单击此处编辑母版文本样式</a:t>
             </a:r>
-            <a:endParaRPr lang="zh-CN" altLang="en-US"/>
           </a:p>
           <a:p>
             <a:pPr lvl="1"/>
@@ -3212,7 +3117,6 @@
               <a:rPr lang="zh-CN" altLang="en-US"/>
               <a:t>第二级</a:t>
             </a:r>
-            <a:endParaRPr lang="zh-CN" altLang="en-US"/>
           </a:p>
           <a:p>
             <a:pPr lvl="2"/>
@@ -3220,7 +3124,6 @@
               <a:rPr lang="zh-CN" altLang="en-US"/>
               <a:t>第三级</a:t>
             </a:r>
-            <a:endParaRPr lang="zh-CN" altLang="en-US"/>
           </a:p>
           <a:p>
             <a:pPr lvl="3"/>
@@ -3228,7 +3131,6 @@
               <a:rPr lang="zh-CN" altLang="en-US"/>
               <a:t>第四级</a:t>
             </a:r>
-            <a:endParaRPr lang="zh-CN" altLang="en-US"/>
           </a:p>
           <a:p>
             <a:pPr lvl="4"/>
@@ -3236,7 +3138,6 @@
               <a:rPr lang="zh-CN" altLang="en-US"/>
               <a:t>第五级</a:t>
             </a:r>
-            <a:endParaRPr lang="zh-CN" altLang="en-US"/>
           </a:p>
         </p:txBody>
       </p:sp>
@@ -3264,6 +3165,7 @@
             </a:pPr>
             <a:fld id="{ACE89A13-AD65-4659-88CE-25A579D13C54}" type="datetimeFigureOut">
               <a:rPr lang="en-US" altLang="zh-CN"/>
+              <a:t>7/27/2025</a:t>
             </a:fld>
             <a:endParaRPr lang="en-US" altLang="zh-CN"/>
           </a:p>
@@ -3319,6 +3221,7 @@
             </a:pPr>
             <a:fld id="{E35EE822-66C8-4BF0-96F4-9274806CA7FC}" type="slidenum">
               <a:rPr lang="zh-CN" altLang="en-US"/>
+              <a:t>‹#›</a:t>
             </a:fld>
             <a:endParaRPr lang="en-US" altLang="zh-CN"/>
           </a:p>
@@ -3377,7 +3280,6 @@
               <a:rPr lang="zh-CN" altLang="en-US"/>
               <a:t>单击此处编辑母版标题样式</a:t>
             </a:r>
-            <a:endParaRPr lang="zh-CN" altLang="en-US"/>
           </a:p>
         </p:txBody>
       </p:sp>
@@ -3443,7 +3345,6 @@
               <a:rPr lang="zh-CN" altLang="en-US"/>
               <a:t>单击此处编辑母版文本样式</a:t>
             </a:r>
-            <a:endParaRPr lang="zh-CN" altLang="en-US"/>
           </a:p>
         </p:txBody>
       </p:sp>
@@ -3471,6 +3372,7 @@
             </a:pPr>
             <a:fld id="{B66D3C56-4579-43C3-A609-10485B422687}" type="datetimeFigureOut">
               <a:rPr lang="en-US" altLang="zh-CN"/>
+              <a:t>7/27/2025</a:t>
             </a:fld>
             <a:endParaRPr lang="en-US" altLang="zh-CN"/>
           </a:p>
@@ -3526,6 +3428,7 @@
             </a:pPr>
             <a:fld id="{BBC871EE-3F1F-4930-ABFA-6E2C4637E9C9}" type="slidenum">
               <a:rPr lang="zh-CN" altLang="en-US"/>
+              <a:t>‹#›</a:t>
             </a:fld>
             <a:endParaRPr lang="en-US" altLang="zh-CN"/>
           </a:p>
@@ -3575,7 +3478,6 @@
               <a:rPr lang="zh-CN" altLang="en-US"/>
               <a:t>单击此处编辑母版标题样式</a:t>
             </a:r>
-            <a:endParaRPr lang="zh-CN" altLang="en-US"/>
           </a:p>
         </p:txBody>
       </p:sp>
@@ -3632,7 +3534,6 @@
               <a:rPr lang="zh-CN" altLang="en-US"/>
               <a:t>单击此处编辑母版文本样式</a:t>
             </a:r>
-            <a:endParaRPr lang="zh-CN" altLang="en-US"/>
           </a:p>
           <a:p>
             <a:pPr lvl="1"/>
@@ -3640,7 +3541,6 @@
               <a:rPr lang="zh-CN" altLang="en-US"/>
               <a:t>第二级</a:t>
             </a:r>
-            <a:endParaRPr lang="zh-CN" altLang="en-US"/>
           </a:p>
           <a:p>
             <a:pPr lvl="2"/>
@@ -3648,7 +3548,6 @@
               <a:rPr lang="zh-CN" altLang="en-US"/>
               <a:t>第三级</a:t>
             </a:r>
-            <a:endParaRPr lang="zh-CN" altLang="en-US"/>
           </a:p>
           <a:p>
             <a:pPr lvl="3"/>
@@ -3656,7 +3555,6 @@
               <a:rPr lang="zh-CN" altLang="en-US"/>
               <a:t>第四级</a:t>
             </a:r>
-            <a:endParaRPr lang="zh-CN" altLang="en-US"/>
           </a:p>
           <a:p>
             <a:pPr lvl="4"/>
@@ -3664,7 +3562,6 @@
               <a:rPr lang="zh-CN" altLang="en-US"/>
               <a:t>第五级</a:t>
             </a:r>
-            <a:endParaRPr lang="zh-CN" altLang="en-US"/>
           </a:p>
         </p:txBody>
       </p:sp>
@@ -3721,7 +3618,6 @@
               <a:rPr lang="zh-CN" altLang="en-US"/>
               <a:t>单击此处编辑母版文本样式</a:t>
             </a:r>
-            <a:endParaRPr lang="zh-CN" altLang="en-US"/>
           </a:p>
           <a:p>
             <a:pPr lvl="1"/>
@@ -3729,7 +3625,6 @@
               <a:rPr lang="zh-CN" altLang="en-US"/>
               <a:t>第二级</a:t>
             </a:r>
-            <a:endParaRPr lang="zh-CN" altLang="en-US"/>
           </a:p>
           <a:p>
             <a:pPr lvl="2"/>
@@ -3737,7 +3632,6 @@
               <a:rPr lang="zh-CN" altLang="en-US"/>
               <a:t>第三级</a:t>
             </a:r>
-            <a:endParaRPr lang="zh-CN" altLang="en-US"/>
           </a:p>
           <a:p>
             <a:pPr lvl="3"/>
@@ -3745,7 +3639,6 @@
               <a:rPr lang="zh-CN" altLang="en-US"/>
               <a:t>第四级</a:t>
             </a:r>
-            <a:endParaRPr lang="zh-CN" altLang="en-US"/>
           </a:p>
           <a:p>
             <a:pPr lvl="4"/>
@@ -3753,7 +3646,6 @@
               <a:rPr lang="zh-CN" altLang="en-US"/>
               <a:t>第五级</a:t>
             </a:r>
-            <a:endParaRPr lang="zh-CN" altLang="en-US"/>
           </a:p>
         </p:txBody>
       </p:sp>
@@ -3781,6 +3673,7 @@
             </a:pPr>
             <a:fld id="{B509E9C3-D6CF-4660-A0CE-8D6416852C19}" type="datetimeFigureOut">
               <a:rPr lang="en-US" altLang="zh-CN"/>
+              <a:t>7/27/2025</a:t>
             </a:fld>
             <a:endParaRPr lang="en-US" altLang="zh-CN"/>
           </a:p>
@@ -3836,6 +3729,7 @@
             </a:pPr>
             <a:fld id="{4F5980B7-62BF-49DE-97F7-1D4EB16FBC4A}" type="slidenum">
               <a:rPr lang="zh-CN" altLang="en-US"/>
+              <a:t>‹#›</a:t>
             </a:fld>
             <a:endParaRPr lang="en-US" altLang="zh-CN"/>
           </a:p>
@@ -3894,7 +3788,6 @@
               <a:rPr lang="zh-CN" altLang="en-US"/>
               <a:t>单击此处编辑母版标题样式</a:t>
             </a:r>
-            <a:endParaRPr lang="zh-CN" altLang="en-US"/>
           </a:p>
         </p:txBody>
       </p:sp>
@@ -3960,7 +3853,6 @@
               <a:rPr lang="zh-CN" altLang="en-US"/>
               <a:t>单击此处编辑母版文本样式</a:t>
             </a:r>
-            <a:endParaRPr lang="zh-CN" altLang="en-US"/>
           </a:p>
         </p:txBody>
       </p:sp>
@@ -4017,7 +3909,6 @@
               <a:rPr lang="zh-CN" altLang="en-US"/>
               <a:t>单击此处编辑母版文本样式</a:t>
             </a:r>
-            <a:endParaRPr lang="zh-CN" altLang="en-US"/>
           </a:p>
           <a:p>
             <a:pPr lvl="1"/>
@@ -4025,7 +3916,6 @@
               <a:rPr lang="zh-CN" altLang="en-US"/>
               <a:t>第二级</a:t>
             </a:r>
-            <a:endParaRPr lang="zh-CN" altLang="en-US"/>
           </a:p>
           <a:p>
             <a:pPr lvl="2"/>
@@ -4033,7 +3923,6 @@
               <a:rPr lang="zh-CN" altLang="en-US"/>
               <a:t>第三级</a:t>
             </a:r>
-            <a:endParaRPr lang="zh-CN" altLang="en-US"/>
           </a:p>
           <a:p>
             <a:pPr lvl="3"/>
@@ -4041,7 +3930,6 @@
               <a:rPr lang="zh-CN" altLang="en-US"/>
               <a:t>第四级</a:t>
             </a:r>
-            <a:endParaRPr lang="zh-CN" altLang="en-US"/>
           </a:p>
           <a:p>
             <a:pPr lvl="4"/>
@@ -4049,7 +3937,6 @@
               <a:rPr lang="zh-CN" altLang="en-US"/>
               <a:t>第五级</a:t>
             </a:r>
-            <a:endParaRPr lang="zh-CN" altLang="en-US"/>
           </a:p>
         </p:txBody>
       </p:sp>
@@ -4115,7 +4002,6 @@
               <a:rPr lang="zh-CN" altLang="en-US"/>
               <a:t>单击此处编辑母版文本样式</a:t>
             </a:r>
-            <a:endParaRPr lang="zh-CN" altLang="en-US"/>
           </a:p>
         </p:txBody>
       </p:sp>
@@ -4172,7 +4058,6 @@
               <a:rPr lang="zh-CN" altLang="en-US"/>
               <a:t>单击此处编辑母版文本样式</a:t>
             </a:r>
-            <a:endParaRPr lang="zh-CN" altLang="en-US"/>
           </a:p>
           <a:p>
             <a:pPr lvl="1"/>
@@ -4180,7 +4065,6 @@
               <a:rPr lang="zh-CN" altLang="en-US"/>
               <a:t>第二级</a:t>
             </a:r>
-            <a:endParaRPr lang="zh-CN" altLang="en-US"/>
           </a:p>
           <a:p>
             <a:pPr lvl="2"/>
@@ -4188,7 +4072,6 @@
               <a:rPr lang="zh-CN" altLang="en-US"/>
               <a:t>第三级</a:t>
             </a:r>
-            <a:endParaRPr lang="zh-CN" altLang="en-US"/>
           </a:p>
           <a:p>
             <a:pPr lvl="3"/>
@@ -4196,7 +4079,6 @@
               <a:rPr lang="zh-CN" altLang="en-US"/>
               <a:t>第四级</a:t>
             </a:r>
-            <a:endParaRPr lang="zh-CN" altLang="en-US"/>
           </a:p>
           <a:p>
             <a:pPr lvl="4"/>
@@ -4204,7 +4086,6 @@
               <a:rPr lang="zh-CN" altLang="en-US"/>
               <a:t>第五级</a:t>
             </a:r>
-            <a:endParaRPr lang="zh-CN" altLang="en-US"/>
           </a:p>
         </p:txBody>
       </p:sp>
@@ -4232,6 +4113,7 @@
             </a:pPr>
             <a:fld id="{DF51AC98-DFE5-4B5A-87B2-E9A41AB9E7AA}" type="datetimeFigureOut">
               <a:rPr lang="en-US" altLang="zh-CN"/>
+              <a:t>7/27/2025</a:t>
             </a:fld>
             <a:endParaRPr lang="en-US" altLang="zh-CN"/>
           </a:p>
@@ -4287,6 +4169,7 @@
             </a:pPr>
             <a:fld id="{52FA6DE7-8B7C-4DEB-B2E2-F973D111DE49}" type="slidenum">
               <a:rPr lang="zh-CN" altLang="en-US"/>
+              <a:t>‹#›</a:t>
             </a:fld>
             <a:endParaRPr lang="en-US" altLang="zh-CN"/>
           </a:p>
@@ -4336,7 +4219,6 @@
               <a:rPr lang="zh-CN" altLang="en-US"/>
               <a:t>单击此处编辑母版标题样式</a:t>
             </a:r>
-            <a:endParaRPr lang="zh-CN" altLang="en-US"/>
           </a:p>
         </p:txBody>
       </p:sp>
@@ -4364,6 +4246,7 @@
             </a:pPr>
             <a:fld id="{BEC57691-5C68-4895-A91D-E60F3BE4F7DB}" type="datetimeFigureOut">
               <a:rPr lang="en-US" altLang="zh-CN"/>
+              <a:t>7/27/2025</a:t>
             </a:fld>
             <a:endParaRPr lang="en-US" altLang="zh-CN"/>
           </a:p>
@@ -4419,6 +4302,7 @@
             </a:pPr>
             <a:fld id="{F2C1F4A9-7615-4F61-9467-7BF4A69660FD}" type="slidenum">
               <a:rPr lang="zh-CN" altLang="en-US"/>
+              <a:t>‹#›</a:t>
             </a:fld>
             <a:endParaRPr lang="en-US" altLang="zh-CN"/>
           </a:p>
@@ -4473,6 +4357,7 @@
             </a:pPr>
             <a:fld id="{83D96DFF-E459-4AF8-AC90-7B58F35DC210}" type="datetimeFigureOut">
               <a:rPr lang="en-US" altLang="zh-CN"/>
+              <a:t>7/27/2025</a:t>
             </a:fld>
             <a:endParaRPr lang="en-US" altLang="zh-CN"/>
           </a:p>
@@ -4528,6 +4413,7 @@
             </a:pPr>
             <a:fld id="{30EC26BE-1C6B-4C8A-BD61-4D710953A7AF}" type="slidenum">
               <a:rPr lang="zh-CN" altLang="en-US"/>
+              <a:t>‹#›</a:t>
             </a:fld>
             <a:endParaRPr lang="en-US" altLang="zh-CN"/>
           </a:p>
@@ -4577,7 +4463,6 @@
               <a:rPr lang="zh-CN" altLang="en-US"/>
               <a:t>单击此处编辑母版标题样式</a:t>
             </a:r>
-            <a:endParaRPr lang="zh-CN" altLang="en-US"/>
           </a:p>
         </p:txBody>
       </p:sp>
@@ -4601,7 +4486,6 @@
               <a:rPr lang="zh-CN" altLang="en-US"/>
               <a:t>单击此处编辑母版文本样式</a:t>
             </a:r>
-            <a:endParaRPr lang="zh-CN" altLang="en-US"/>
           </a:p>
           <a:p>
             <a:pPr lvl="1"/>
@@ -4609,7 +4493,6 @@
               <a:rPr lang="zh-CN" altLang="en-US"/>
               <a:t>第二级</a:t>
             </a:r>
-            <a:endParaRPr lang="zh-CN" altLang="en-US"/>
           </a:p>
           <a:p>
             <a:pPr lvl="2"/>
@@ -4617,7 +4500,6 @@
               <a:rPr lang="zh-CN" altLang="en-US"/>
               <a:t>第三级</a:t>
             </a:r>
-            <a:endParaRPr lang="zh-CN" altLang="en-US"/>
           </a:p>
           <a:p>
             <a:pPr lvl="3"/>
@@ -4625,7 +4507,6 @@
               <a:rPr lang="zh-CN" altLang="en-US"/>
               <a:t>第四级</a:t>
             </a:r>
-            <a:endParaRPr lang="zh-CN" altLang="en-US"/>
           </a:p>
           <a:p>
             <a:pPr lvl="4"/>
@@ -4633,7 +4514,6 @@
               <a:rPr lang="zh-CN" altLang="en-US"/>
               <a:t>第五级</a:t>
             </a:r>
-            <a:endParaRPr lang="zh-CN" altLang="en-US"/>
           </a:p>
         </p:txBody>
       </p:sp>
@@ -4654,6 +4534,7 @@
           <a:p>
             <a:fld id="{221A8089-2723-4C29-9028-9AF3B5536DA4}" type="datetimeFigureOut">
               <a:rPr lang="zh-CN" altLang="en-US" smtClean="0"/>
+              <a:t>2025/7/27</a:t>
             </a:fld>
             <a:endParaRPr lang="zh-CN" altLang="en-US"/>
           </a:p>
@@ -4695,6 +4576,7 @@
           <a:p>
             <a:fld id="{3A900F6A-8B93-4004-9034-B9F22D9362A8}" type="slidenum">
               <a:rPr lang="zh-CN" altLang="en-US" smtClean="0"/>
+              <a:t>‹#›</a:t>
             </a:fld>
             <a:endParaRPr lang="zh-CN" altLang="en-US"/>
           </a:p>
@@ -4753,7 +4635,6 @@
               <a:rPr lang="zh-CN" altLang="en-US"/>
               <a:t>单击此处编辑母版标题样式</a:t>
             </a:r>
-            <a:endParaRPr lang="zh-CN" altLang="en-US"/>
           </a:p>
         </p:txBody>
       </p:sp>
@@ -4810,7 +4691,6 @@
               <a:rPr lang="zh-CN" altLang="en-US"/>
               <a:t>单击此处编辑母版文本样式</a:t>
             </a:r>
-            <a:endParaRPr lang="zh-CN" altLang="en-US"/>
           </a:p>
           <a:p>
             <a:pPr lvl="1"/>
@@ -4818,7 +4698,6 @@
               <a:rPr lang="zh-CN" altLang="en-US"/>
               <a:t>第二级</a:t>
             </a:r>
-            <a:endParaRPr lang="zh-CN" altLang="en-US"/>
           </a:p>
           <a:p>
             <a:pPr lvl="2"/>
@@ -4826,7 +4705,6 @@
               <a:rPr lang="zh-CN" altLang="en-US"/>
               <a:t>第三级</a:t>
             </a:r>
-            <a:endParaRPr lang="zh-CN" altLang="en-US"/>
           </a:p>
           <a:p>
             <a:pPr lvl="3"/>
@@ -4834,7 +4712,6 @@
               <a:rPr lang="zh-CN" altLang="en-US"/>
               <a:t>第四级</a:t>
             </a:r>
-            <a:endParaRPr lang="zh-CN" altLang="en-US"/>
           </a:p>
           <a:p>
             <a:pPr lvl="4"/>
@@ -4842,7 +4719,6 @@
               <a:rPr lang="zh-CN" altLang="en-US"/>
               <a:t>第五级</a:t>
             </a:r>
-            <a:endParaRPr lang="zh-CN" altLang="en-US"/>
           </a:p>
         </p:txBody>
       </p:sp>
@@ -4908,7 +4784,6 @@
               <a:rPr lang="zh-CN" altLang="en-US"/>
               <a:t>单击此处编辑母版文本样式</a:t>
             </a:r>
-            <a:endParaRPr lang="zh-CN" altLang="en-US"/>
           </a:p>
         </p:txBody>
       </p:sp>
@@ -4936,6 +4811,7 @@
             </a:pPr>
             <a:fld id="{FCFCAD01-5EC6-4BEF-8CF2-08278E26E8F1}" type="datetimeFigureOut">
               <a:rPr lang="en-US" altLang="zh-CN"/>
+              <a:t>7/27/2025</a:t>
             </a:fld>
             <a:endParaRPr lang="en-US" altLang="zh-CN"/>
           </a:p>
@@ -4991,6 +4867,7 @@
             </a:pPr>
             <a:fld id="{BA9CF060-3A9F-4DBE-9393-5E5F8C71C3C4}" type="slidenum">
               <a:rPr lang="zh-CN" altLang="en-US"/>
+              <a:t>‹#›</a:t>
             </a:fld>
             <a:endParaRPr lang="en-US" altLang="zh-CN"/>
           </a:p>
@@ -5049,7 +4926,6 @@
               <a:rPr lang="zh-CN" altLang="en-US"/>
               <a:t>单击此处编辑母版标题样式</a:t>
             </a:r>
-            <a:endParaRPr lang="zh-CN" altLang="en-US"/>
           </a:p>
         </p:txBody>
       </p:sp>
@@ -5177,7 +5053,6 @@
               <a:rPr lang="zh-CN" altLang="en-US"/>
               <a:t>单击此处编辑母版文本样式</a:t>
             </a:r>
-            <a:endParaRPr lang="zh-CN" altLang="en-US"/>
           </a:p>
         </p:txBody>
       </p:sp>
@@ -5205,6 +5080,7 @@
             </a:pPr>
             <a:fld id="{4F4DB1DA-D59E-469D-99FF-A11A9839797E}" type="datetimeFigureOut">
               <a:rPr lang="en-US" altLang="zh-CN"/>
+              <a:t>7/27/2025</a:t>
             </a:fld>
             <a:endParaRPr lang="en-US" altLang="zh-CN"/>
           </a:p>
@@ -5260,6 +5136,7 @@
             </a:pPr>
             <a:fld id="{4C05A0FA-DC20-4029-B765-801A5F7B076E}" type="slidenum">
               <a:rPr lang="zh-CN" altLang="en-US"/>
+              <a:t>‹#›</a:t>
             </a:fld>
             <a:endParaRPr lang="en-US" altLang="zh-CN"/>
           </a:p>
@@ -5309,7 +5186,6 @@
               <a:rPr lang="zh-CN" altLang="en-US"/>
               <a:t>单击此处编辑母版标题样式</a:t>
             </a:r>
-            <a:endParaRPr lang="zh-CN" altLang="en-US"/>
           </a:p>
         </p:txBody>
       </p:sp>
@@ -5333,7 +5209,6 @@
               <a:rPr lang="zh-CN" altLang="en-US"/>
               <a:t>单击此处编辑母版文本样式</a:t>
             </a:r>
-            <a:endParaRPr lang="zh-CN" altLang="en-US"/>
           </a:p>
           <a:p>
             <a:pPr lvl="1"/>
@@ -5341,7 +5216,6 @@
               <a:rPr lang="zh-CN" altLang="en-US"/>
               <a:t>第二级</a:t>
             </a:r>
-            <a:endParaRPr lang="zh-CN" altLang="en-US"/>
           </a:p>
           <a:p>
             <a:pPr lvl="2"/>
@@ -5349,7 +5223,6 @@
               <a:rPr lang="zh-CN" altLang="en-US"/>
               <a:t>第三级</a:t>
             </a:r>
-            <a:endParaRPr lang="zh-CN" altLang="en-US"/>
           </a:p>
           <a:p>
             <a:pPr lvl="3"/>
@@ -5357,7 +5230,6 @@
               <a:rPr lang="zh-CN" altLang="en-US"/>
               <a:t>第四级</a:t>
             </a:r>
-            <a:endParaRPr lang="zh-CN" altLang="en-US"/>
           </a:p>
           <a:p>
             <a:pPr lvl="4"/>
@@ -5365,7 +5237,6 @@
               <a:rPr lang="zh-CN" altLang="en-US"/>
               <a:t>第五级</a:t>
             </a:r>
-            <a:endParaRPr lang="zh-CN" altLang="en-US"/>
           </a:p>
         </p:txBody>
       </p:sp>
@@ -5393,6 +5264,7 @@
             </a:pPr>
             <a:fld id="{9DA70CAD-0667-4B38-864E-0A98503DD086}" type="datetimeFigureOut">
               <a:rPr lang="en-US" altLang="zh-CN"/>
+              <a:t>7/27/2025</a:t>
             </a:fld>
             <a:endParaRPr lang="en-US" altLang="zh-CN"/>
           </a:p>
@@ -5448,6 +5320,7 @@
             </a:pPr>
             <a:fld id="{DF762C47-684D-4C04-A7FC-92D7F86C90B1}" type="slidenum">
               <a:rPr lang="zh-CN" altLang="en-US"/>
+              <a:t>‹#›</a:t>
             </a:fld>
             <a:endParaRPr lang="en-US" altLang="zh-CN"/>
           </a:p>
@@ -5502,7 +5375,6 @@
               <a:rPr lang="zh-CN" altLang="en-US"/>
               <a:t>单击此处编辑母版标题样式</a:t>
             </a:r>
-            <a:endParaRPr lang="zh-CN" altLang="en-US"/>
           </a:p>
         </p:txBody>
       </p:sp>
@@ -5531,7 +5403,6 @@
               <a:rPr lang="zh-CN" altLang="en-US"/>
               <a:t>单击此处编辑母版文本样式</a:t>
             </a:r>
-            <a:endParaRPr lang="zh-CN" altLang="en-US"/>
           </a:p>
           <a:p>
             <a:pPr lvl="1"/>
@@ -5539,7 +5410,6 @@
               <a:rPr lang="zh-CN" altLang="en-US"/>
               <a:t>第二级</a:t>
             </a:r>
-            <a:endParaRPr lang="zh-CN" altLang="en-US"/>
           </a:p>
           <a:p>
             <a:pPr lvl="2"/>
@@ -5547,7 +5417,6 @@
               <a:rPr lang="zh-CN" altLang="en-US"/>
               <a:t>第三级</a:t>
             </a:r>
-            <a:endParaRPr lang="zh-CN" altLang="en-US"/>
           </a:p>
           <a:p>
             <a:pPr lvl="3"/>
@@ -5555,7 +5424,6 @@
               <a:rPr lang="zh-CN" altLang="en-US"/>
               <a:t>第四级</a:t>
             </a:r>
-            <a:endParaRPr lang="zh-CN" altLang="en-US"/>
           </a:p>
           <a:p>
             <a:pPr lvl="4"/>
@@ -5563,7 +5431,6 @@
               <a:rPr lang="zh-CN" altLang="en-US"/>
               <a:t>第五级</a:t>
             </a:r>
-            <a:endParaRPr lang="zh-CN" altLang="en-US"/>
           </a:p>
         </p:txBody>
       </p:sp>
@@ -5591,6 +5458,7 @@
             </a:pPr>
             <a:fld id="{1EEF797A-C8F0-40BE-BF4C-BA6AF36B2676}" type="datetimeFigureOut">
               <a:rPr lang="en-US" altLang="zh-CN"/>
+              <a:t>7/27/2025</a:t>
             </a:fld>
             <a:endParaRPr lang="en-US" altLang="zh-CN"/>
           </a:p>
@@ -5646,6 +5514,7 @@
             </a:pPr>
             <a:fld id="{D2350ECE-D18E-49AC-B814-C7FDDB97FCCE}" type="slidenum">
               <a:rPr lang="zh-CN" altLang="en-US"/>
+              <a:t>‹#›</a:t>
             </a:fld>
             <a:endParaRPr lang="en-US" altLang="zh-CN"/>
           </a:p>
@@ -5703,7 +5572,6 @@
               <a:rPr lang="zh-CN" altLang="en-US"/>
               <a:t>单击此处编辑母版标题样式</a:t>
             </a:r>
-            <a:endParaRPr lang="zh-CN" altLang="en-US"/>
           </a:p>
         </p:txBody>
       </p:sp>
@@ -5732,7 +5600,6 @@
               <a:rPr lang="zh-CN" altLang="en-US"/>
               <a:t>单击此处编辑母版文本样式</a:t>
             </a:r>
-            <a:endParaRPr lang="zh-CN" altLang="en-US"/>
           </a:p>
           <a:p>
             <a:pPr lvl="1"/>
@@ -5740,7 +5607,6 @@
               <a:rPr lang="zh-CN" altLang="en-US"/>
               <a:t>第二级</a:t>
             </a:r>
-            <a:endParaRPr lang="zh-CN" altLang="en-US"/>
           </a:p>
           <a:p>
             <a:pPr lvl="2"/>
@@ -5748,7 +5614,6 @@
               <a:rPr lang="zh-CN" altLang="en-US"/>
               <a:t>第三级</a:t>
             </a:r>
-            <a:endParaRPr lang="zh-CN" altLang="en-US"/>
           </a:p>
           <a:p>
             <a:pPr lvl="3"/>
@@ -5756,7 +5621,6 @@
               <a:rPr lang="zh-CN" altLang="en-US"/>
               <a:t>第四级</a:t>
             </a:r>
-            <a:endParaRPr lang="zh-CN" altLang="en-US"/>
           </a:p>
           <a:p>
             <a:pPr lvl="4"/>
@@ -5764,7 +5628,6 @@
               <a:rPr lang="zh-CN" altLang="en-US"/>
               <a:t>第五级</a:t>
             </a:r>
-            <a:endParaRPr lang="zh-CN" altLang="en-US"/>
           </a:p>
         </p:txBody>
       </p:sp>
@@ -5793,7 +5656,6 @@
               <a:rPr lang="zh-CN" altLang="en-US"/>
               <a:t>单击此处编辑母版文本样式</a:t>
             </a:r>
-            <a:endParaRPr lang="zh-CN" altLang="en-US"/>
           </a:p>
           <a:p>
             <a:pPr lvl="1"/>
@@ -5801,7 +5663,6 @@
               <a:rPr lang="zh-CN" altLang="en-US"/>
               <a:t>第二级</a:t>
             </a:r>
-            <a:endParaRPr lang="zh-CN" altLang="en-US"/>
           </a:p>
           <a:p>
             <a:pPr lvl="2"/>
@@ -5809,7 +5670,6 @@
               <a:rPr lang="zh-CN" altLang="en-US"/>
               <a:t>第三级</a:t>
             </a:r>
-            <a:endParaRPr lang="zh-CN" altLang="en-US"/>
           </a:p>
           <a:p>
             <a:pPr lvl="3"/>
@@ -5817,7 +5677,6 @@
               <a:rPr lang="zh-CN" altLang="en-US"/>
               <a:t>第四级</a:t>
             </a:r>
-            <a:endParaRPr lang="zh-CN" altLang="en-US"/>
           </a:p>
           <a:p>
             <a:pPr lvl="4"/>
@@ -5825,7 +5684,6 @@
               <a:rPr lang="zh-CN" altLang="en-US"/>
               <a:t>第五级</a:t>
             </a:r>
-            <a:endParaRPr lang="zh-CN" altLang="en-US"/>
           </a:p>
         </p:txBody>
       </p:sp>
@@ -5879,7 +5737,6 @@
               <a:rPr lang="zh-CN" altLang="en-US"/>
               <a:t>单击此处编辑母版文本样式</a:t>
             </a:r>
-            <a:endParaRPr lang="zh-CN" altLang="en-US"/>
           </a:p>
           <a:p>
             <a:pPr lvl="1"/>
@@ -5887,7 +5744,6 @@
               <a:rPr lang="zh-CN" altLang="en-US"/>
               <a:t>第二级</a:t>
             </a:r>
-            <a:endParaRPr lang="zh-CN" altLang="en-US"/>
           </a:p>
           <a:p>
             <a:pPr lvl="2"/>
@@ -5895,7 +5751,6 @@
               <a:rPr lang="zh-CN" altLang="en-US"/>
               <a:t>第三级</a:t>
             </a:r>
-            <a:endParaRPr lang="zh-CN" altLang="en-US"/>
           </a:p>
           <a:p>
             <a:pPr lvl="3"/>
@@ -5903,7 +5758,6 @@
               <a:rPr lang="zh-CN" altLang="en-US"/>
               <a:t>第四级</a:t>
             </a:r>
-            <a:endParaRPr lang="zh-CN" altLang="en-US"/>
           </a:p>
           <a:p>
             <a:pPr lvl="4"/>
@@ -5911,7 +5765,6 @@
               <a:rPr lang="zh-CN" altLang="en-US"/>
               <a:t>第五级</a:t>
             </a:r>
-            <a:endParaRPr lang="zh-CN" altLang="en-US"/>
           </a:p>
         </p:txBody>
       </p:sp>
@@ -5924,7 +5777,7 @@
 </file>
 
 <file path=ppt/slideLayouts/slideLayout26.xml><?xml version="1.0" encoding="utf-8"?>
-<p:sldLayout xmlns:a="http://schemas.openxmlformats.org/drawingml/2006/main" xmlns:r="http://schemas.openxmlformats.org/officeDocument/2006/relationships" xmlns:p="http://schemas.openxmlformats.org/presentationml/2006/main" type="title" showMasterSp="0">
+<p:sldLayout xmlns:a="http://schemas.openxmlformats.org/drawingml/2006/main" xmlns:r="http://schemas.openxmlformats.org/officeDocument/2006/relationships" xmlns:p="http://schemas.openxmlformats.org/presentationml/2006/main" showMasterSp="0" type="title">
   <p:cSld name="1_标题幻灯片">
     <p:spTree>
       <p:nvGrpSpPr>
@@ -6153,13 +6006,6 @@
               </a:rPr>
               <a:t>王浩鸣</a:t>
             </a:r>
-            <a:endParaRPr kumimoji="1" lang="zh-CN" altLang="en-US" sz="1350" b="1" dirty="0">
-              <a:solidFill>
-                <a:srgbClr val="0066CC"/>
-              </a:solidFill>
-              <a:latin typeface="楷体" panose="02010609060101010101" pitchFamily="49" charset="-122"/>
-              <a:ea typeface="楷体" panose="02010609060101010101" pitchFamily="49" charset="-122"/>
-            </a:endParaRPr>
           </a:p>
           <a:p>
             <a:pPr>
@@ -6188,11 +6034,6 @@
               </a:rPr>
               <a:t>haoming_wang@xaufe.edu.cn</a:t>
             </a:r>
-            <a:endParaRPr kumimoji="1" lang="en-US" altLang="zh-CN" sz="1350" dirty="0">
-              <a:solidFill>
-                <a:srgbClr val="0066CC"/>
-              </a:solidFill>
-            </a:endParaRPr>
           </a:p>
           <a:p>
             <a:pPr>
@@ -6212,11 +6053,6 @@
               </a:rPr>
               <a:t> haoming.wang@gmail.com</a:t>
             </a:r>
-            <a:endParaRPr kumimoji="1" lang="en-US" altLang="zh-CN" sz="1350" dirty="0">
-              <a:solidFill>
-                <a:srgbClr val="0066CC"/>
-              </a:solidFill>
-            </a:endParaRPr>
           </a:p>
           <a:p>
             <a:pPr>
@@ -6236,11 +6072,6 @@
               </a:rPr>
               <a:t> wang.haoming@126.com</a:t>
             </a:r>
-            <a:endParaRPr kumimoji="1" lang="en-US" altLang="zh-CN" sz="1350" dirty="0">
-              <a:solidFill>
-                <a:srgbClr val="0066CC"/>
-              </a:solidFill>
-            </a:endParaRPr>
           </a:p>
           <a:p>
             <a:pPr>
@@ -6277,11 +6108,6 @@
               </a:rPr>
               <a:t>81556121  18829266628</a:t>
             </a:r>
-            <a:endParaRPr kumimoji="1" lang="en-US" altLang="zh-CN" sz="1350" dirty="0">
-              <a:solidFill>
-                <a:srgbClr val="0066CC"/>
-              </a:solidFill>
-            </a:endParaRPr>
           </a:p>
         </p:txBody>
       </p:sp>
@@ -6500,12 +6326,6 @@
               </a:rPr>
               <a:t>C How to Program</a:t>
             </a:r>
-            <a:endParaRPr lang="en-US" altLang="zh-CN" sz="1140" b="1" dirty="0">
-              <a:solidFill>
-                <a:prstClr val="white"/>
-              </a:solidFill>
-              <a:latin typeface="Courier New" panose="02070309020205020404" pitchFamily="49" charset="0"/>
-            </a:endParaRPr>
           </a:p>
         </p:txBody>
       </p:sp>
@@ -6778,12 +6598,6 @@
               </a:rPr>
               <a:t>http://xinxi.xaufe.edu.cn</a:t>
             </a:r>
-            <a:endParaRPr lang="en-US" altLang="zh-CN" sz="675" b="1" i="1" dirty="0">
-              <a:solidFill>
-                <a:prstClr val="white"/>
-              </a:solidFill>
-              <a:latin typeface="Courier New" panose="02070309020205020404" pitchFamily="49" charset="0"/>
-            </a:endParaRPr>
           </a:p>
         </p:txBody>
       </p:sp>
@@ -6905,7 +6719,6 @@
               <a:rPr lang="zh-CN" altLang="en-US"/>
               <a:t>单击此处编辑母版标题样式</a:t>
             </a:r>
-            <a:endParaRPr lang="zh-CN" altLang="en-US"/>
           </a:p>
         </p:txBody>
       </p:sp>
@@ -7025,7 +6838,6 @@
               <a:rPr lang="zh-CN" altLang="en-US"/>
               <a:t>单击此处编辑母版文本样式</a:t>
             </a:r>
-            <a:endParaRPr lang="zh-CN" altLang="en-US"/>
           </a:p>
         </p:txBody>
       </p:sp>
@@ -7046,6 +6858,7 @@
           <a:p>
             <a:fld id="{221A8089-2723-4C29-9028-9AF3B5536DA4}" type="datetimeFigureOut">
               <a:rPr lang="zh-CN" altLang="en-US" smtClean="0"/>
+              <a:t>2025/7/27</a:t>
             </a:fld>
             <a:endParaRPr lang="zh-CN" altLang="en-US"/>
           </a:p>
@@ -7087,6 +6900,7 @@
           <a:p>
             <a:fld id="{3A900F6A-8B93-4004-9034-B9F22D9362A8}" type="slidenum">
               <a:rPr lang="zh-CN" altLang="en-US" smtClean="0"/>
+              <a:t>‹#›</a:t>
             </a:fld>
             <a:endParaRPr lang="zh-CN" altLang="en-US"/>
           </a:p>
@@ -7136,7 +6950,6 @@
               <a:rPr lang="zh-CN" altLang="en-US"/>
               <a:t>单击此处编辑母版标题样式</a:t>
             </a:r>
-            <a:endParaRPr lang="zh-CN" altLang="en-US"/>
           </a:p>
         </p:txBody>
       </p:sp>
@@ -7165,7 +6978,6 @@
               <a:rPr lang="zh-CN" altLang="en-US"/>
               <a:t>单击此处编辑母版文本样式</a:t>
             </a:r>
-            <a:endParaRPr lang="zh-CN" altLang="en-US"/>
           </a:p>
           <a:p>
             <a:pPr lvl="1"/>
@@ -7173,7 +6985,6 @@
               <a:rPr lang="zh-CN" altLang="en-US"/>
               <a:t>第二级</a:t>
             </a:r>
-            <a:endParaRPr lang="zh-CN" altLang="en-US"/>
           </a:p>
           <a:p>
             <a:pPr lvl="2"/>
@@ -7181,7 +6992,6 @@
               <a:rPr lang="zh-CN" altLang="en-US"/>
               <a:t>第三级</a:t>
             </a:r>
-            <a:endParaRPr lang="zh-CN" altLang="en-US"/>
           </a:p>
           <a:p>
             <a:pPr lvl="3"/>
@@ -7189,7 +6999,6 @@
               <a:rPr lang="zh-CN" altLang="en-US"/>
               <a:t>第四级</a:t>
             </a:r>
-            <a:endParaRPr lang="zh-CN" altLang="en-US"/>
           </a:p>
           <a:p>
             <a:pPr lvl="4"/>
@@ -7197,7 +7006,6 @@
               <a:rPr lang="zh-CN" altLang="en-US"/>
               <a:t>第五级</a:t>
             </a:r>
-            <a:endParaRPr lang="zh-CN" altLang="en-US"/>
           </a:p>
         </p:txBody>
       </p:sp>
@@ -7226,7 +7034,6 @@
               <a:rPr lang="zh-CN" altLang="en-US"/>
               <a:t>单击此处编辑母版文本样式</a:t>
             </a:r>
-            <a:endParaRPr lang="zh-CN" altLang="en-US"/>
           </a:p>
           <a:p>
             <a:pPr lvl="1"/>
@@ -7234,7 +7041,6 @@
               <a:rPr lang="zh-CN" altLang="en-US"/>
               <a:t>第二级</a:t>
             </a:r>
-            <a:endParaRPr lang="zh-CN" altLang="en-US"/>
           </a:p>
           <a:p>
             <a:pPr lvl="2"/>
@@ -7242,7 +7048,6 @@
               <a:rPr lang="zh-CN" altLang="en-US"/>
               <a:t>第三级</a:t>
             </a:r>
-            <a:endParaRPr lang="zh-CN" altLang="en-US"/>
           </a:p>
           <a:p>
             <a:pPr lvl="3"/>
@@ -7250,7 +7055,6 @@
               <a:rPr lang="zh-CN" altLang="en-US"/>
               <a:t>第四级</a:t>
             </a:r>
-            <a:endParaRPr lang="zh-CN" altLang="en-US"/>
           </a:p>
           <a:p>
             <a:pPr lvl="4"/>
@@ -7258,7 +7062,6 @@
               <a:rPr lang="zh-CN" altLang="en-US"/>
               <a:t>第五级</a:t>
             </a:r>
-            <a:endParaRPr lang="zh-CN" altLang="en-US"/>
           </a:p>
         </p:txBody>
       </p:sp>
@@ -7279,6 +7082,7 @@
           <a:p>
             <a:fld id="{221A8089-2723-4C29-9028-9AF3B5536DA4}" type="datetimeFigureOut">
               <a:rPr lang="zh-CN" altLang="en-US" smtClean="0"/>
+              <a:t>2025/7/27</a:t>
             </a:fld>
             <a:endParaRPr lang="zh-CN" altLang="en-US"/>
           </a:p>
@@ -7320,6 +7124,7 @@
           <a:p>
             <a:fld id="{3A900F6A-8B93-4004-9034-B9F22D9362A8}" type="slidenum">
               <a:rPr lang="zh-CN" altLang="en-US" smtClean="0"/>
+              <a:t>‹#›</a:t>
             </a:fld>
             <a:endParaRPr lang="zh-CN" altLang="en-US"/>
           </a:p>
@@ -7374,7 +7179,6 @@
               <a:rPr lang="zh-CN" altLang="en-US"/>
               <a:t>单击此处编辑母版标题样式</a:t>
             </a:r>
-            <a:endParaRPr lang="zh-CN" altLang="en-US"/>
           </a:p>
         </p:txBody>
       </p:sp>
@@ -7440,7 +7244,6 @@
               <a:rPr lang="zh-CN" altLang="en-US"/>
               <a:t>单击此处编辑母版文本样式</a:t>
             </a:r>
-            <a:endParaRPr lang="zh-CN" altLang="en-US"/>
           </a:p>
         </p:txBody>
       </p:sp>
@@ -7469,7 +7272,6 @@
               <a:rPr lang="zh-CN" altLang="en-US"/>
               <a:t>单击此处编辑母版文本样式</a:t>
             </a:r>
-            <a:endParaRPr lang="zh-CN" altLang="en-US"/>
           </a:p>
           <a:p>
             <a:pPr lvl="1"/>
@@ -7477,7 +7279,6 @@
               <a:rPr lang="zh-CN" altLang="en-US"/>
               <a:t>第二级</a:t>
             </a:r>
-            <a:endParaRPr lang="zh-CN" altLang="en-US"/>
           </a:p>
           <a:p>
             <a:pPr lvl="2"/>
@@ -7485,7 +7286,6 @@
               <a:rPr lang="zh-CN" altLang="en-US"/>
               <a:t>第三级</a:t>
             </a:r>
-            <a:endParaRPr lang="zh-CN" altLang="en-US"/>
           </a:p>
           <a:p>
             <a:pPr lvl="3"/>
@@ -7493,7 +7293,6 @@
               <a:rPr lang="zh-CN" altLang="en-US"/>
               <a:t>第四级</a:t>
             </a:r>
-            <a:endParaRPr lang="zh-CN" altLang="en-US"/>
           </a:p>
           <a:p>
             <a:pPr lvl="4"/>
@@ -7501,7 +7300,6 @@
               <a:rPr lang="zh-CN" altLang="en-US"/>
               <a:t>第五级</a:t>
             </a:r>
-            <a:endParaRPr lang="zh-CN" altLang="en-US"/>
           </a:p>
         </p:txBody>
       </p:sp>
@@ -7567,7 +7365,6 @@
               <a:rPr lang="zh-CN" altLang="en-US"/>
               <a:t>单击此处编辑母版文本样式</a:t>
             </a:r>
-            <a:endParaRPr lang="zh-CN" altLang="en-US"/>
           </a:p>
         </p:txBody>
       </p:sp>
@@ -7596,7 +7393,6 @@
               <a:rPr lang="zh-CN" altLang="en-US"/>
               <a:t>单击此处编辑母版文本样式</a:t>
             </a:r>
-            <a:endParaRPr lang="zh-CN" altLang="en-US"/>
           </a:p>
           <a:p>
             <a:pPr lvl="1"/>
@@ -7604,7 +7400,6 @@
               <a:rPr lang="zh-CN" altLang="en-US"/>
               <a:t>第二级</a:t>
             </a:r>
-            <a:endParaRPr lang="zh-CN" altLang="en-US"/>
           </a:p>
           <a:p>
             <a:pPr lvl="2"/>
@@ -7612,7 +7407,6 @@
               <a:rPr lang="zh-CN" altLang="en-US"/>
               <a:t>第三级</a:t>
             </a:r>
-            <a:endParaRPr lang="zh-CN" altLang="en-US"/>
           </a:p>
           <a:p>
             <a:pPr lvl="3"/>
@@ -7620,7 +7414,6 @@
               <a:rPr lang="zh-CN" altLang="en-US"/>
               <a:t>第四级</a:t>
             </a:r>
-            <a:endParaRPr lang="zh-CN" altLang="en-US"/>
           </a:p>
           <a:p>
             <a:pPr lvl="4"/>
@@ -7628,7 +7421,6 @@
               <a:rPr lang="zh-CN" altLang="en-US"/>
               <a:t>第五级</a:t>
             </a:r>
-            <a:endParaRPr lang="zh-CN" altLang="en-US"/>
           </a:p>
         </p:txBody>
       </p:sp>
@@ -7649,6 +7441,7 @@
           <a:p>
             <a:fld id="{221A8089-2723-4C29-9028-9AF3B5536DA4}" type="datetimeFigureOut">
               <a:rPr lang="zh-CN" altLang="en-US" smtClean="0"/>
+              <a:t>2025/7/27</a:t>
             </a:fld>
             <a:endParaRPr lang="zh-CN" altLang="en-US"/>
           </a:p>
@@ -7690,6 +7483,7 @@
           <a:p>
             <a:fld id="{3A900F6A-8B93-4004-9034-B9F22D9362A8}" type="slidenum">
               <a:rPr lang="zh-CN" altLang="en-US" smtClean="0"/>
+              <a:t>‹#›</a:t>
             </a:fld>
             <a:endParaRPr lang="zh-CN" altLang="en-US"/>
           </a:p>
@@ -7739,7 +7533,6 @@
               <a:rPr lang="zh-CN" altLang="en-US"/>
               <a:t>单击此处编辑母版标题样式</a:t>
             </a:r>
-            <a:endParaRPr lang="zh-CN" altLang="en-US"/>
           </a:p>
         </p:txBody>
       </p:sp>
@@ -7760,6 +7553,7 @@
           <a:p>
             <a:fld id="{221A8089-2723-4C29-9028-9AF3B5536DA4}" type="datetimeFigureOut">
               <a:rPr lang="zh-CN" altLang="en-US" smtClean="0"/>
+              <a:t>2025/7/27</a:t>
             </a:fld>
             <a:endParaRPr lang="zh-CN" altLang="en-US"/>
           </a:p>
@@ -7801,6 +7595,7 @@
           <a:p>
             <a:fld id="{3A900F6A-8B93-4004-9034-B9F22D9362A8}" type="slidenum">
               <a:rPr lang="zh-CN" altLang="en-US" smtClean="0"/>
+              <a:t>‹#›</a:t>
             </a:fld>
             <a:endParaRPr lang="zh-CN" altLang="en-US"/>
           </a:p>
@@ -7848,6 +7643,7 @@
           <a:p>
             <a:fld id="{221A8089-2723-4C29-9028-9AF3B5536DA4}" type="datetimeFigureOut">
               <a:rPr lang="zh-CN" altLang="en-US" smtClean="0"/>
+              <a:t>2025/7/27</a:t>
             </a:fld>
             <a:endParaRPr lang="zh-CN" altLang="en-US"/>
           </a:p>
@@ -7889,6 +7685,7 @@
           <a:p>
             <a:fld id="{3A900F6A-8B93-4004-9034-B9F22D9362A8}" type="slidenum">
               <a:rPr lang="zh-CN" altLang="en-US" smtClean="0"/>
+              <a:t>‹#›</a:t>
             </a:fld>
             <a:endParaRPr lang="zh-CN" altLang="en-US"/>
           </a:p>
@@ -7947,7 +7744,6 @@
               <a:rPr lang="zh-CN" altLang="en-US"/>
               <a:t>单击此处编辑母版标题样式</a:t>
             </a:r>
-            <a:endParaRPr lang="zh-CN" altLang="en-US"/>
           </a:p>
         </p:txBody>
       </p:sp>
@@ -8004,7 +7800,6 @@
               <a:rPr lang="zh-CN" altLang="en-US"/>
               <a:t>单击此处编辑母版文本样式</a:t>
             </a:r>
-            <a:endParaRPr lang="zh-CN" altLang="en-US"/>
           </a:p>
           <a:p>
             <a:pPr lvl="1"/>
@@ -8012,7 +7807,6 @@
               <a:rPr lang="zh-CN" altLang="en-US"/>
               <a:t>第二级</a:t>
             </a:r>
-            <a:endParaRPr lang="zh-CN" altLang="en-US"/>
           </a:p>
           <a:p>
             <a:pPr lvl="2"/>
@@ -8020,7 +7814,6 @@
               <a:rPr lang="zh-CN" altLang="en-US"/>
               <a:t>第三级</a:t>
             </a:r>
-            <a:endParaRPr lang="zh-CN" altLang="en-US"/>
           </a:p>
           <a:p>
             <a:pPr lvl="3"/>
@@ -8028,7 +7821,6 @@
               <a:rPr lang="zh-CN" altLang="en-US"/>
               <a:t>第四级</a:t>
             </a:r>
-            <a:endParaRPr lang="zh-CN" altLang="en-US"/>
           </a:p>
           <a:p>
             <a:pPr lvl="4"/>
@@ -8036,7 +7828,6 @@
               <a:rPr lang="zh-CN" altLang="en-US"/>
               <a:t>第五级</a:t>
             </a:r>
-            <a:endParaRPr lang="zh-CN" altLang="en-US"/>
           </a:p>
         </p:txBody>
       </p:sp>
@@ -8102,7 +7893,6 @@
               <a:rPr lang="zh-CN" altLang="en-US"/>
               <a:t>单击此处编辑母版文本样式</a:t>
             </a:r>
-            <a:endParaRPr lang="zh-CN" altLang="en-US"/>
           </a:p>
         </p:txBody>
       </p:sp>
@@ -8123,6 +7913,7 @@
           <a:p>
             <a:fld id="{221A8089-2723-4C29-9028-9AF3B5536DA4}" type="datetimeFigureOut">
               <a:rPr lang="zh-CN" altLang="en-US" smtClean="0"/>
+              <a:t>2025/7/27</a:t>
             </a:fld>
             <a:endParaRPr lang="zh-CN" altLang="en-US"/>
           </a:p>
@@ -8164,6 +7955,7 @@
           <a:p>
             <a:fld id="{3A900F6A-8B93-4004-9034-B9F22D9362A8}" type="slidenum">
               <a:rPr lang="zh-CN" altLang="en-US" smtClean="0"/>
+              <a:t>‹#›</a:t>
             </a:fld>
             <a:endParaRPr lang="zh-CN" altLang="en-US"/>
           </a:p>
@@ -8222,7 +8014,6 @@
               <a:rPr lang="zh-CN" altLang="en-US"/>
               <a:t>单击此处编辑母版标题样式</a:t>
             </a:r>
-            <a:endParaRPr lang="zh-CN" altLang="en-US"/>
           </a:p>
         </p:txBody>
       </p:sp>
@@ -8349,7 +8140,6 @@
               <a:rPr lang="zh-CN" altLang="en-US"/>
               <a:t>单击此处编辑母版文本样式</a:t>
             </a:r>
-            <a:endParaRPr lang="zh-CN" altLang="en-US"/>
           </a:p>
         </p:txBody>
       </p:sp>
@@ -8370,6 +8160,7 @@
           <a:p>
             <a:fld id="{221A8089-2723-4C29-9028-9AF3B5536DA4}" type="datetimeFigureOut">
               <a:rPr lang="zh-CN" altLang="en-US" smtClean="0"/>
+              <a:t>2025/7/27</a:t>
             </a:fld>
             <a:endParaRPr lang="zh-CN" altLang="en-US"/>
           </a:p>
@@ -8411,6 +8202,7 @@
           <a:p>
             <a:fld id="{3A900F6A-8B93-4004-9034-B9F22D9362A8}" type="slidenum">
               <a:rPr lang="zh-CN" altLang="en-US" smtClean="0"/>
+              <a:t>‹#›</a:t>
             </a:fld>
             <a:endParaRPr lang="zh-CN" altLang="en-US"/>
           </a:p>
@@ -8475,7 +8267,6 @@
               <a:rPr lang="zh-CN" altLang="en-US"/>
               <a:t>单击此处编辑母版标题样式</a:t>
             </a:r>
-            <a:endParaRPr lang="zh-CN" altLang="en-US"/>
           </a:p>
         </p:txBody>
       </p:sp>
@@ -8509,7 +8300,6 @@
               <a:rPr lang="zh-CN" altLang="en-US"/>
               <a:t>单击此处编辑母版文本样式</a:t>
             </a:r>
-            <a:endParaRPr lang="zh-CN" altLang="en-US"/>
           </a:p>
           <a:p>
             <a:pPr lvl="1"/>
@@ -8517,7 +8307,6 @@
               <a:rPr lang="zh-CN" altLang="en-US"/>
               <a:t>第二级</a:t>
             </a:r>
-            <a:endParaRPr lang="zh-CN" altLang="en-US"/>
           </a:p>
           <a:p>
             <a:pPr lvl="2"/>
@@ -8525,7 +8314,6 @@
               <a:rPr lang="zh-CN" altLang="en-US"/>
               <a:t>第三级</a:t>
             </a:r>
-            <a:endParaRPr lang="zh-CN" altLang="en-US"/>
           </a:p>
           <a:p>
             <a:pPr lvl="3"/>
@@ -8533,7 +8321,6 @@
               <a:rPr lang="zh-CN" altLang="en-US"/>
               <a:t>第四级</a:t>
             </a:r>
-            <a:endParaRPr lang="zh-CN" altLang="en-US"/>
           </a:p>
           <a:p>
             <a:pPr lvl="4"/>
@@ -8541,7 +8328,6 @@
               <a:rPr lang="zh-CN" altLang="en-US"/>
               <a:t>第五级</a:t>
             </a:r>
-            <a:endParaRPr lang="zh-CN" altLang="en-US"/>
           </a:p>
         </p:txBody>
       </p:sp>
@@ -8580,6 +8366,7 @@
           <a:p>
             <a:fld id="{221A8089-2723-4C29-9028-9AF3B5536DA4}" type="datetimeFigureOut">
               <a:rPr lang="zh-CN" altLang="en-US" smtClean="0"/>
+              <a:t>2025/7/27</a:t>
             </a:fld>
             <a:endParaRPr lang="zh-CN" altLang="en-US"/>
           </a:p>
@@ -8657,6 +8444,7 @@
           <a:p>
             <a:fld id="{3A900F6A-8B93-4004-9034-B9F22D9362A8}" type="slidenum">
               <a:rPr lang="zh-CN" altLang="en-US" smtClean="0"/>
+              <a:t>‹#›</a:t>
             </a:fld>
             <a:endParaRPr lang="zh-CN" altLang="en-US"/>
           </a:p>
@@ -9038,7 +8826,6 @@
               <a:rPr lang="zh-CN" altLang="en-US"/>
               <a:t>单击此处编辑母版标题样式</a:t>
             </a:r>
-            <a:endParaRPr lang="zh-CN" altLang="en-US"/>
           </a:p>
         </p:txBody>
       </p:sp>
@@ -9093,7 +8880,6 @@
               <a:rPr lang="zh-CN" altLang="en-US"/>
               <a:t>单击此处编辑母版文本样式</a:t>
             </a:r>
-            <a:endParaRPr lang="zh-CN" altLang="en-US"/>
           </a:p>
           <a:p>
             <a:pPr lvl="1"/>
@@ -9101,7 +8887,6 @@
               <a:rPr lang="zh-CN" altLang="en-US"/>
               <a:t>第二级</a:t>
             </a:r>
-            <a:endParaRPr lang="zh-CN" altLang="en-US"/>
           </a:p>
           <a:p>
             <a:pPr lvl="2"/>
@@ -9109,7 +8894,6 @@
               <a:rPr lang="zh-CN" altLang="en-US"/>
               <a:t>第三级</a:t>
             </a:r>
-            <a:endParaRPr lang="zh-CN" altLang="en-US"/>
           </a:p>
           <a:p>
             <a:pPr lvl="3"/>
@@ -9117,7 +8901,6 @@
               <a:rPr lang="zh-CN" altLang="en-US"/>
               <a:t>第四级</a:t>
             </a:r>
-            <a:endParaRPr lang="zh-CN" altLang="en-US"/>
           </a:p>
           <a:p>
             <a:pPr lvl="4"/>
@@ -9125,7 +8908,6 @@
               <a:rPr lang="zh-CN" altLang="en-US"/>
               <a:t>第五级</a:t>
             </a:r>
-            <a:endParaRPr lang="zh-CN" altLang="en-US"/>
           </a:p>
         </p:txBody>
       </p:sp>
@@ -9350,6 +9132,7 @@
             </a:pPr>
             <a:fld id="{24D3C952-EF7F-408E-B315-71A6F3FA008D}" type="datetimeFigureOut">
               <a:rPr lang="en-US" altLang="zh-CN"/>
+              <a:t>7/27/2025</a:t>
             </a:fld>
             <a:endParaRPr lang="en-US" altLang="zh-CN"/>
           </a:p>
@@ -9457,6 +9240,7 @@
             </a:pPr>
             <a:fld id="{1E4D3C3A-9EB5-452A-A891-957B0D5A0D58}" type="slidenum">
               <a:rPr lang="zh-CN" altLang="en-US"/>
+              <a:t>‹#›</a:t>
             </a:fld>
             <a:endParaRPr lang="en-US" altLang="zh-CN"/>
           </a:p>
@@ -10054,7 +9838,7 @@
           <p:nvPr/>
         </p:nvPicPr>
         <p:blipFill>
-          <a:blip r:embed="rId1">
+          <a:blip r:embed="rId3">
             <a:extLst>
               <a:ext uri="{28A0092B-C50C-407E-A947-70E740481C1C}">
                 <a14:useLocalDpi xmlns:a14="http://schemas.microsoft.com/office/drawing/2010/main" val="0"/>
@@ -10084,7 +9868,7 @@
           <p:nvPr/>
         </p:nvPicPr>
         <p:blipFill rotWithShape="1">
-          <a:blip r:embed="rId2" cstate="print">
+          <a:blip r:embed="rId4" cstate="print">
             <a:extLst>
               <a:ext uri="{28A0092B-C50C-407E-A947-70E740481C1C}">
                 <a14:useLocalDpi xmlns:a14="http://schemas.microsoft.com/office/drawing/2010/main" val="0"/>
@@ -10174,20 +9958,6 @@
               </a:rPr>
               <a:t>函数</a:t>
             </a:r>
-            <a:endParaRPr lang="zh-CN" altLang="en-US" sz="2400" dirty="0">
-              <a:solidFill>
-                <a:sysClr val="window" lastClr="FFFFFF"/>
-              </a:solidFill>
-              <a:effectLst>
-                <a:outerShdw blurRad="50800" dist="38100" dir="10800000" algn="r" rotWithShape="0">
-                  <a:prstClr val="black">
-                    <a:alpha val="40000"/>
-                  </a:prstClr>
-                </a:outerShdw>
-              </a:effectLst>
-              <a:latin typeface="Adidas Unity" pitchFamily="2" charset="0"/>
-              <a:cs typeface="Times New Roman" panose="02020603050405020304" pitchFamily="18" charset="0"/>
-            </a:endParaRPr>
           </a:p>
         </p:txBody>
       </p:sp>
@@ -10257,15 +10027,6 @@
               </a:rPr>
               <a:t>习题课</a:t>
             </a:r>
-            <a:endParaRPr lang="zh-CN" altLang="en-US" sz="4000" kern="0" dirty="0">
-              <a:solidFill>
-                <a:sysClr val="windowText" lastClr="000000">
-                  <a:lumMod val="75000"/>
-                  <a:lumOff val="25000"/>
-                </a:sysClr>
-              </a:solidFill>
-              <a:latin typeface="Adidas Unity" pitchFamily="2" charset="0"/>
-            </a:endParaRPr>
           </a:p>
         </p:txBody>
       </p:sp>
@@ -10358,14 +10119,6 @@
               </a:rPr>
               <a:t>的素数和</a:t>
             </a:r>
-            <a:endParaRPr lang="zh-CN" altLang="en-US" sz="2800" dirty="0">
-              <a:solidFill>
-                <a:srgbClr val="0005C0"/>
-              </a:solidFill>
-              <a:latin typeface="Times New Roman" panose="02020603050405020304" pitchFamily="18" charset="0"/>
-              <a:ea typeface="黑体" panose="02010609060101010101" pitchFamily="49" charset="-122"/>
-              <a:cs typeface="Times New Roman" panose="02020603050405020304" pitchFamily="18" charset="0"/>
-            </a:endParaRPr>
           </a:p>
         </p:txBody>
       </p:sp>
@@ -10555,6 +10308,7 @@
                   <a:srgbClr val="000000"/>
                 </a:solidFill>
               </a:rPr>
+              <a:t>2</a:t>
             </a:fld>
             <a:endParaRPr lang="en-US" altLang="zh-CN">
               <a:solidFill>
@@ -11922,12 +11676,6 @@
               </a:rPr>
               <a:t> 0 ; </a:t>
             </a:r>
-            <a:endParaRPr lang="en-US" altLang="zh-CN" dirty="0">
-              <a:solidFill>
-                <a:srgbClr val="000000"/>
-              </a:solidFill>
-              <a:latin typeface="Consolas" panose="020B0609020204030204" pitchFamily="49" charset="0"/>
-            </a:endParaRPr>
           </a:p>
           <a:p>
             <a:pPr>
@@ -12060,12 +11808,6 @@
               </a:rPr>
               <a:t> 1 ;      </a:t>
             </a:r>
-            <a:endParaRPr lang="en-US" altLang="zh-CN" dirty="0">
-              <a:solidFill>
-                <a:srgbClr val="000000"/>
-              </a:solidFill>
-              <a:latin typeface="Consolas" panose="020B0609020204030204" pitchFamily="49" charset="0"/>
-            </a:endParaRPr>
           </a:p>
           <a:p>
             <a:pPr>
@@ -12212,7 +11954,6 @@
               <a:rPr lang="en-US" altLang="zh-CN" sz="2200" dirty="0"/>
               <a:t>n</a:t>
             </a:r>
-            <a:endParaRPr lang="en-US" altLang="zh-CN" sz="2200" dirty="0"/>
           </a:p>
           <a:p>
             <a:pPr lvl="1"/>
@@ -12304,13 +12045,6 @@
               </a:rPr>
               <a:t>和</a:t>
             </a:r>
-            <a:endParaRPr lang="zh-CN" altLang="en-US" sz="2800" dirty="0">
-              <a:solidFill>
-                <a:srgbClr val="0005C0"/>
-              </a:solidFill>
-              <a:latin typeface="黑体" panose="02010609060101010101" pitchFamily="49" charset="-122"/>
-              <a:ea typeface="黑体" panose="02010609060101010101" pitchFamily="49" charset="-122"/>
-            </a:endParaRPr>
           </a:p>
         </p:txBody>
       </p:sp>
@@ -13574,7 +13308,7 @@
           <p:nvPr/>
         </p:nvPicPr>
         <p:blipFill>
-          <a:blip r:embed="rId1"/>
+          <a:blip r:embed="rId2"/>
           <a:stretch>
             <a:fillRect/>
           </a:stretch>
@@ -13663,14 +13397,6 @@
               </a:rPr>
               <a:t>中的水仙花数之和</a:t>
             </a:r>
-            <a:endParaRPr lang="zh-CN" altLang="en-US" sz="2800" dirty="0">
-              <a:solidFill>
-                <a:srgbClr val="0005C0"/>
-              </a:solidFill>
-              <a:latin typeface="Times New Roman" panose="02020603050405020304" pitchFamily="18" charset="0"/>
-              <a:ea typeface="黑体" panose="02010609060101010101" pitchFamily="49" charset="-122"/>
-              <a:cs typeface="Times New Roman" panose="02020603050405020304" pitchFamily="18" charset="0"/>
-            </a:endParaRPr>
           </a:p>
         </p:txBody>
       </p:sp>
@@ -15006,7 +14732,7 @@
           <p:nvPr/>
         </p:nvPicPr>
         <p:blipFill>
-          <a:blip r:embed="rId1"/>
+          <a:blip r:embed="rId2"/>
           <a:stretch>
             <a:fillRect/>
           </a:stretch>
@@ -15217,8 +14943,8 @@
 </file>
 
 <file path=ppt/tags/tag1.xml><?xml version="1.0" encoding="utf-8"?>
-<p:tagLst xmlns:p="http://schemas.openxmlformats.org/presentationml/2006/main">
-  <p:tag name="commondata" val="eyJoZGlkIjoiOTc3OWU1NGY2MTdkZDhhYmRlYWYwNjNjNzViNDEwMDEifQ=="/>
+<p:tagLst xmlns:a="http://schemas.openxmlformats.org/drawingml/2006/main" xmlns:r="http://schemas.openxmlformats.org/officeDocument/2006/relationships" xmlns:p="http://schemas.openxmlformats.org/presentationml/2006/main">
+  <p:tag name="COMMONDATA" val="eyJoZGlkIjoiOTc3OWU1NGY2MTdkZDhhYmRlYWYwNjNjNzViNDEwMDEifQ=="/>
 </p:tagLst>
 </file>
 
@@ -15473,6 +15199,8 @@
       </a:bgFillStyleLst>
     </a:fmtScheme>
   </a:themeElements>
+  <a:objectDefaults/>
+  <a:extraClrSchemeLst/>
   <a:extLst>
     <a:ext uri="{05A4C25C-085E-4340-85A3-A5531E510DB2}">
       <thm15:themeFamily xmlns:thm15="http://schemas.microsoft.com/office/thememl/2012/main" name="Office Theme" id="{62F939B6-93AF-4DB8-9C6B-D6C7DFDC589F}" vid="{4A3C46E8-61CC-4603-A589-7422A47A8E4A}"/>
@@ -15701,6 +15429,7 @@
       </a:bgFillStyleLst>
     </a:fmtScheme>
   </a:themeElements>
+  <a:objectDefaults/>
   <a:extraClrSchemeLst>
     <a:extraClrScheme>
       <a:clrScheme name="Profile 1">
@@ -16331,6 +16060,8 @@
       </a:bgFillStyleLst>
     </a:fmtScheme>
   </a:themeElements>
+  <a:objectDefaults/>
+  <a:extraClrSchemeLst/>
   <a:extLst>
     <a:ext uri="{05A4C25C-085E-4340-85A3-A5531E510DB2}">
       <thm15:themeFamily xmlns:thm15="http://schemas.microsoft.com/office/thememl/2012/main" name="Office Theme" id="{62F939B6-93AF-4DB8-9C6B-D6C7DFDC589F}" vid="{4A3C46E8-61CC-4603-A589-7422A47A8E4A}"/>
